--- a/inst/doc/Notes/Notes_rev1.pptx
+++ b/inst/doc/Notes/Notes_rev1.pptx
@@ -6602,6 +6602,49 @@
           </a:ln>
         </p:spPr>
       </p:pic>
+      <p:sp>
+        <p:nvSpPr>
+          <p:cNvPr id="2" name="TextBox 1">
+            <a:extLst>
+              <a:ext uri="{FF2B5EF4-FFF2-40B4-BE49-F238E27FC236}">
+                <a16:creationId xmlns:a16="http://schemas.microsoft.com/office/drawing/2014/main" id="{1863AB4D-DE8F-DC5A-C004-8C92387A79B9}"/>
+              </a:ext>
+            </a:extLst>
+          </p:cNvPr>
+          <p:cNvSpPr txBox="1"/>
+          <p:nvPr/>
+        </p:nvSpPr>
+        <p:spPr>
+          <a:xfrm>
+            <a:off x="589265" y="6014188"/>
+            <a:ext cx="819455" cy="369332"/>
+          </a:xfrm>
+          <a:prstGeom prst="rect">
+            <a:avLst/>
+          </a:prstGeom>
+          <a:noFill/>
+        </p:spPr>
+        <p:txBody>
+          <a:bodyPr wrap="none" rtlCol="0">
+            <a:spAutoFit/>
+          </a:bodyPr>
+          <a:lstStyle/>
+          <a:p>
+            <a:r>
+              <a:rPr lang="en-US" b="1" dirty="0">
+                <a:latin typeface="Times New Roman" panose="02020603050405020304" pitchFamily="18" charset="0"/>
+                <a:cs typeface="Times New Roman" panose="02020603050405020304" pitchFamily="18" charset="0"/>
+                <a:hlinkClick r:id="rId3"/>
+              </a:rPr>
+              <a:t>scr1.R</a:t>
+            </a:r>
+            <a:endParaRPr lang="en-US" b="1" dirty="0">
+              <a:latin typeface="Times New Roman" panose="02020603050405020304" pitchFamily="18" charset="0"/>
+              <a:cs typeface="Times New Roman" panose="02020603050405020304" pitchFamily="18" charset="0"/>
+            </a:endParaRPr>
+          </a:p>
+        </p:txBody>
+      </p:sp>
     </p:spTree>
   </p:cSld>
   <p:clrMapOvr>
@@ -7223,7 +7266,7 @@
         </p:blipFill>
         <p:spPr>
           <a:xfrm>
-            <a:off x="1257236" y="5653353"/>
+            <a:off x="1257236" y="5826974"/>
             <a:ext cx="6616700" cy="546100"/>
           </a:xfrm>
           <a:prstGeom prst="rect">
@@ -7308,6 +7351,49 @@
                 <a:hlinkClick r:id="rId6"/>
               </a:rPr>
               <a:t>ff2_C.cpp</a:t>
+            </a:r>
+            <a:endParaRPr lang="en-US" b="1" dirty="0">
+              <a:latin typeface="Times New Roman" panose="02020603050405020304" pitchFamily="18" charset="0"/>
+              <a:cs typeface="Times New Roman" panose="02020603050405020304" pitchFamily="18" charset="0"/>
+            </a:endParaRPr>
+          </a:p>
+        </p:txBody>
+      </p:sp>
+      <p:sp>
+        <p:nvSpPr>
+          <p:cNvPr id="6" name="TextBox 5">
+            <a:extLst>
+              <a:ext uri="{FF2B5EF4-FFF2-40B4-BE49-F238E27FC236}">
+                <a16:creationId xmlns:a16="http://schemas.microsoft.com/office/drawing/2014/main" id="{944487A0-CEEA-BD76-1BE7-59416D834094}"/>
+              </a:ext>
+            </a:extLst>
+          </p:cNvPr>
+          <p:cNvSpPr txBox="1"/>
+          <p:nvPr/>
+        </p:nvSpPr>
+        <p:spPr>
+          <a:xfrm>
+            <a:off x="687132" y="5154287"/>
+            <a:ext cx="819455" cy="369332"/>
+          </a:xfrm>
+          <a:prstGeom prst="rect">
+            <a:avLst/>
+          </a:prstGeom>
+          <a:noFill/>
+        </p:spPr>
+        <p:txBody>
+          <a:bodyPr wrap="none" rtlCol="0">
+            <a:spAutoFit/>
+          </a:bodyPr>
+          <a:lstStyle/>
+          <a:p>
+            <a:r>
+              <a:rPr lang="en-US" b="1" dirty="0">
+                <a:latin typeface="Times New Roman" panose="02020603050405020304" pitchFamily="18" charset="0"/>
+                <a:cs typeface="Times New Roman" panose="02020603050405020304" pitchFamily="18" charset="0"/>
+                <a:hlinkClick r:id="rId7"/>
+              </a:rPr>
+              <a:t>scr2.R</a:t>
             </a:r>
             <a:endParaRPr lang="en-US" b="1" dirty="0">
               <a:latin typeface="Times New Roman" panose="02020603050405020304" pitchFamily="18" charset="0"/>
@@ -7456,7 +7542,7 @@
               </a:lnSpc>
             </a:pPr>
             <a:r>
-              <a:rPr lang="en-US" sz="1800" b="0" strike="noStrike" spc="-1">
+              <a:rPr lang="en-US" sz="1800" b="0" strike="noStrike" spc="-1" dirty="0">
                 <a:solidFill>
                   <a:srgbClr val="FFFF00"/>
                 </a:solidFill>
@@ -7464,7 +7550,7 @@
               </a:rPr>
               <a:t># State labels used by CRF:</a:t>
             </a:r>
-            <a:endParaRPr lang="en-US" sz="1800" b="0" strike="noStrike" spc="-1">
+            <a:endParaRPr lang="en-US" sz="1800" b="0" strike="noStrike" spc="-1" dirty="0">
               <a:latin typeface="Arial"/>
             </a:endParaRPr>
           </a:p>
@@ -7475,7 +7561,7 @@
               </a:lnSpc>
             </a:pPr>
             <a:r>
-              <a:rPr lang="en-US" sz="1800" b="0" strike="noStrike" spc="-1">
+              <a:rPr lang="en-US" sz="1800" b="0" strike="noStrike" spc="-1" dirty="0">
                 <a:solidFill>
                   <a:srgbClr val="FFFFFF"/>
                 </a:solidFill>
@@ -7483,7 +7569,7 @@
               </a:rPr>
               <a:t>s1 &lt;- 1</a:t>
             </a:r>
-            <a:endParaRPr lang="en-US" sz="1800" b="0" strike="noStrike" spc="-1">
+            <a:endParaRPr lang="en-US" sz="1800" b="0" strike="noStrike" spc="-1" dirty="0">
               <a:latin typeface="Arial"/>
             </a:endParaRPr>
           </a:p>
@@ -7494,7 +7580,7 @@
               </a:lnSpc>
             </a:pPr>
             <a:r>
-              <a:rPr lang="en-US" sz="1800" b="0" strike="noStrike" spc="-1">
+              <a:rPr lang="en-US" sz="1800" b="0" strike="noStrike" spc="-1" dirty="0">
                 <a:solidFill>
                   <a:srgbClr val="FFFFFF"/>
                 </a:solidFill>
@@ -7502,7 +7588,7 @@
               </a:rPr>
               <a:t>s2 &lt;- 2</a:t>
             </a:r>
-            <a:endParaRPr lang="en-US" sz="1800" b="0" strike="noStrike" spc="-1">
+            <a:endParaRPr lang="en-US" sz="1800" b="0" strike="noStrike" spc="-1" dirty="0">
               <a:latin typeface="Arial"/>
             </a:endParaRPr>
           </a:p>
@@ -7512,7 +7598,7 @@
                 <a:spcPct val="100000"/>
               </a:lnSpc>
             </a:pPr>
-            <a:endParaRPr lang="en-US" sz="1800" b="0" strike="noStrike" spc="-1">
+            <a:endParaRPr lang="en-US" sz="1800" b="0" strike="noStrike" spc="-1" dirty="0">
               <a:latin typeface="Arial"/>
             </a:endParaRPr>
           </a:p>
@@ -7523,7 +7609,7 @@
               </a:lnSpc>
             </a:pPr>
             <a:r>
-              <a:rPr lang="en-US" sz="1800" b="0" strike="noStrike" spc="-1">
+              <a:rPr lang="en-US" sz="1800" b="0" strike="noStrike" spc="-1" dirty="0">
                 <a:solidFill>
                   <a:srgbClr val="FFFF00"/>
                 </a:solidFill>
@@ -7531,7 +7617,7 @@
               </a:rPr>
               <a:t># Define feature function. State weights are implicitly 1:</a:t>
             </a:r>
-            <a:endParaRPr lang="en-US" sz="1800" b="0" strike="noStrike" spc="-1">
+            <a:endParaRPr lang="en-US" sz="1800" b="0" strike="noStrike" spc="-1" dirty="0">
               <a:latin typeface="Arial"/>
             </a:endParaRPr>
           </a:p>
@@ -7542,15 +7628,33 @@
               </a:lnSpc>
             </a:pPr>
             <a:r>
-              <a:rPr lang="en-US" sz="1800" b="0" strike="noStrike" spc="-1">
+              <a:rPr lang="en-US" sz="1800" b="0" strike="noStrike" spc="-1" dirty="0">
                 <a:solidFill>
                   <a:srgbClr val="FFFFFF"/>
                 </a:solidFill>
                 <a:latin typeface="Courier New"/>
               </a:rPr>
-              <a:t>f &lt;- function(y){ as.numeric(c((y==s1),(y==s2))) }</a:t>
-            </a:r>
-            <a:endParaRPr lang="en-US" sz="1800" b="0" strike="noStrike" spc="-1">
+              <a:t>f &lt;- function(y){ </a:t>
+            </a:r>
+            <a:r>
+              <a:rPr lang="en-US" sz="1800" b="0" strike="noStrike" spc="-1" dirty="0" err="1">
+                <a:solidFill>
+                  <a:srgbClr val="FFFFFF"/>
+                </a:solidFill>
+                <a:latin typeface="Courier New"/>
+              </a:rPr>
+              <a:t>as.numeric</a:t>
+            </a:r>
+            <a:r>
+              <a:rPr lang="en-US" sz="1800" b="0" strike="noStrike" spc="-1" dirty="0">
+                <a:solidFill>
+                  <a:srgbClr val="FFFFFF"/>
+                </a:solidFill>
+                <a:latin typeface="Courier New"/>
+              </a:rPr>
+              <a:t>(c((y==s1),(y==s2))) }</a:t>
+            </a:r>
+            <a:endParaRPr lang="en-US" sz="1800" b="0" strike="noStrike" spc="-1" dirty="0">
               <a:latin typeface="Arial"/>
             </a:endParaRPr>
           </a:p>
@@ -7560,7 +7664,7 @@
                 <a:spcPct val="100000"/>
               </a:lnSpc>
             </a:pPr>
-            <a:endParaRPr lang="en-US" sz="1800" b="0" strike="noStrike" spc="-1">
+            <a:endParaRPr lang="en-US" sz="1800" b="0" strike="noStrike" spc="-1" dirty="0">
               <a:latin typeface="Arial"/>
             </a:endParaRPr>
           </a:p>
@@ -7571,7 +7675,7 @@
               </a:lnSpc>
             </a:pPr>
             <a:r>
-              <a:rPr lang="en-US" sz="1800" b="0" strike="noStrike" spc="-1">
+              <a:rPr lang="en-US" sz="1800" b="0" strike="noStrike" spc="-1" dirty="0">
                 <a:solidFill>
                   <a:srgbClr val="FFFF00"/>
                 </a:solidFill>
@@ -7579,7 +7683,7 @@
               </a:rPr>
               <a:t># Try it out:</a:t>
             </a:r>
-            <a:endParaRPr lang="en-US" sz="1800" b="0" strike="noStrike" spc="-1">
+            <a:endParaRPr lang="en-US" sz="1800" b="0" strike="noStrike" spc="-1" dirty="0">
               <a:latin typeface="Arial"/>
             </a:endParaRPr>
           </a:p>
@@ -7590,7 +7694,7 @@
               </a:lnSpc>
             </a:pPr>
             <a:r>
-              <a:rPr lang="en-US" sz="1800" b="0" strike="noStrike" spc="-1">
+              <a:rPr lang="en-US" sz="1800" b="0" strike="noStrike" spc="-1" dirty="0">
                 <a:solidFill>
                   <a:srgbClr val="FFFFFF"/>
                 </a:solidFill>
@@ -7598,7 +7702,7 @@
               </a:rPr>
               <a:t>f(1)</a:t>
             </a:r>
-            <a:endParaRPr lang="en-US" sz="1800" b="0" strike="noStrike" spc="-1">
+            <a:endParaRPr lang="en-US" sz="1800" b="0" strike="noStrike" spc="-1" dirty="0">
               <a:latin typeface="Arial"/>
             </a:endParaRPr>
           </a:p>
@@ -7609,7 +7713,7 @@
               </a:lnSpc>
             </a:pPr>
             <a:r>
-              <a:rPr lang="en-US" sz="1800" b="0" strike="noStrike" spc="-1">
+              <a:rPr lang="en-US" sz="1800" b="0" strike="noStrike" spc="-1" dirty="0">
                 <a:solidFill>
                   <a:srgbClr val="FFFFFF"/>
                 </a:solidFill>
@@ -7617,7 +7721,7 @@
               </a:rPr>
               <a:t>f(2)</a:t>
             </a:r>
-            <a:endParaRPr lang="en-US" sz="1800" b="0" strike="noStrike" spc="-1">
+            <a:endParaRPr lang="en-US" sz="1800" b="0" strike="noStrike" spc="-1" dirty="0">
               <a:latin typeface="Arial"/>
             </a:endParaRPr>
           </a:p>
@@ -7699,6 +7803,49 @@
             </a:r>
             <a:endParaRPr lang="en-US" sz="1800" b="0" strike="noStrike" spc="-1">
               <a:latin typeface="Arial"/>
+            </a:endParaRPr>
+          </a:p>
+        </p:txBody>
+      </p:sp>
+      <p:sp>
+        <p:nvSpPr>
+          <p:cNvPr id="4" name="TextBox 3">
+            <a:extLst>
+              <a:ext uri="{FF2B5EF4-FFF2-40B4-BE49-F238E27FC236}">
+                <a16:creationId xmlns:a16="http://schemas.microsoft.com/office/drawing/2014/main" id="{555C085F-CBAD-D04A-FB4D-78E10A56FE93}"/>
+              </a:ext>
+            </a:extLst>
+          </p:cNvPr>
+          <p:cNvSpPr txBox="1"/>
+          <p:nvPr/>
+        </p:nvSpPr>
+        <p:spPr>
+          <a:xfrm>
+            <a:off x="687132" y="4355633"/>
+            <a:ext cx="819455" cy="369332"/>
+          </a:xfrm>
+          <a:prstGeom prst="rect">
+            <a:avLst/>
+          </a:prstGeom>
+          <a:noFill/>
+        </p:spPr>
+        <p:txBody>
+          <a:bodyPr wrap="none" rtlCol="0">
+            <a:spAutoFit/>
+          </a:bodyPr>
+          <a:lstStyle/>
+          <a:p>
+            <a:r>
+              <a:rPr lang="en-US" b="1" dirty="0">
+                <a:latin typeface="Times New Roman" panose="02020603050405020304" pitchFamily="18" charset="0"/>
+                <a:cs typeface="Times New Roman" panose="02020603050405020304" pitchFamily="18" charset="0"/>
+                <a:hlinkClick r:id="rId3"/>
+              </a:rPr>
+              <a:t>scr3.R</a:t>
+            </a:r>
+            <a:endParaRPr lang="en-US" b="1" dirty="0">
+              <a:latin typeface="Times New Roman" panose="02020603050405020304" pitchFamily="18" charset="0"/>
+              <a:cs typeface="Times New Roman" panose="02020603050405020304" pitchFamily="18" charset="0"/>
             </a:endParaRPr>
           </a:p>
         </p:txBody>
@@ -8534,6 +8681,49 @@
           </a:prstGeom>
         </p:spPr>
       </p:pic>
+      <p:sp>
+        <p:nvSpPr>
+          <p:cNvPr id="3" name="TextBox 2">
+            <a:extLst>
+              <a:ext uri="{FF2B5EF4-FFF2-40B4-BE49-F238E27FC236}">
+                <a16:creationId xmlns:a16="http://schemas.microsoft.com/office/drawing/2014/main" id="{1F39D66A-8071-62E0-6993-D818392E838A}"/>
+              </a:ext>
+            </a:extLst>
+          </p:cNvPr>
+          <p:cNvSpPr txBox="1"/>
+          <p:nvPr/>
+        </p:nvSpPr>
+        <p:spPr>
+          <a:xfrm>
+            <a:off x="455788" y="3989627"/>
+            <a:ext cx="819455" cy="369332"/>
+          </a:xfrm>
+          <a:prstGeom prst="rect">
+            <a:avLst/>
+          </a:prstGeom>
+          <a:noFill/>
+        </p:spPr>
+        <p:txBody>
+          <a:bodyPr wrap="none" rtlCol="0">
+            <a:spAutoFit/>
+          </a:bodyPr>
+          <a:lstStyle/>
+          <a:p>
+            <a:r>
+              <a:rPr lang="en-US" b="1" dirty="0">
+                <a:latin typeface="Times New Roman" panose="02020603050405020304" pitchFamily="18" charset="0"/>
+                <a:cs typeface="Times New Roman" panose="02020603050405020304" pitchFamily="18" charset="0"/>
+                <a:hlinkClick r:id="rId3"/>
+              </a:rPr>
+              <a:t>scr4.R</a:t>
+            </a:r>
+            <a:endParaRPr lang="en-US" b="1" dirty="0">
+              <a:latin typeface="Times New Roman" panose="02020603050405020304" pitchFamily="18" charset="0"/>
+              <a:cs typeface="Times New Roman" panose="02020603050405020304" pitchFamily="18" charset="0"/>
+            </a:endParaRPr>
+          </a:p>
+        </p:txBody>
+      </p:sp>
     </p:spTree>
   </p:cSld>
   <p:clrMapOvr>
@@ -12223,6 +12413,49 @@
           </a:ln>
         </p:spPr>
       </p:pic>
+      <p:sp>
+        <p:nvSpPr>
+          <p:cNvPr id="2" name="TextBox 1">
+            <a:extLst>
+              <a:ext uri="{FF2B5EF4-FFF2-40B4-BE49-F238E27FC236}">
+                <a16:creationId xmlns:a16="http://schemas.microsoft.com/office/drawing/2014/main" id="{C3C22A9B-4FEB-4049-E99A-9CF70D2CBAF7}"/>
+              </a:ext>
+            </a:extLst>
+          </p:cNvPr>
+          <p:cNvSpPr txBox="1"/>
+          <p:nvPr/>
+        </p:nvSpPr>
+        <p:spPr>
+          <a:xfrm>
+            <a:off x="270593" y="6038345"/>
+            <a:ext cx="819455" cy="369332"/>
+          </a:xfrm>
+          <a:prstGeom prst="rect">
+            <a:avLst/>
+          </a:prstGeom>
+          <a:noFill/>
+        </p:spPr>
+        <p:txBody>
+          <a:bodyPr wrap="none" rtlCol="0">
+            <a:spAutoFit/>
+          </a:bodyPr>
+          <a:lstStyle/>
+          <a:p>
+            <a:r>
+              <a:rPr lang="en-US" b="1" dirty="0">
+                <a:latin typeface="Times New Roman" panose="02020603050405020304" pitchFamily="18" charset="0"/>
+                <a:cs typeface="Times New Roman" panose="02020603050405020304" pitchFamily="18" charset="0"/>
+                <a:hlinkClick r:id="rId3"/>
+              </a:rPr>
+              <a:t>scr5.R</a:t>
+            </a:r>
+            <a:endParaRPr lang="en-US" b="1" dirty="0">
+              <a:latin typeface="Times New Roman" panose="02020603050405020304" pitchFamily="18" charset="0"/>
+              <a:cs typeface="Times New Roman" panose="02020603050405020304" pitchFamily="18" charset="0"/>
+            </a:endParaRPr>
+          </a:p>
+        </p:txBody>
+      </p:sp>
     </p:spTree>
   </p:cSld>
   <p:clrMapOvr>
@@ -14028,6 +14261,49 @@
           </a:ln>
         </p:spPr>
       </p:pic>
+      <p:sp>
+        <p:nvSpPr>
+          <p:cNvPr id="2" name="TextBox 1">
+            <a:extLst>
+              <a:ext uri="{FF2B5EF4-FFF2-40B4-BE49-F238E27FC236}">
+                <a16:creationId xmlns:a16="http://schemas.microsoft.com/office/drawing/2014/main" id="{136369C0-286C-9F87-E684-8A5FFDFC7D31}"/>
+              </a:ext>
+            </a:extLst>
+          </p:cNvPr>
+          <p:cNvSpPr txBox="1"/>
+          <p:nvPr/>
+        </p:nvSpPr>
+        <p:spPr>
+          <a:xfrm>
+            <a:off x="105815" y="6014188"/>
+            <a:ext cx="819455" cy="369332"/>
+          </a:xfrm>
+          <a:prstGeom prst="rect">
+            <a:avLst/>
+          </a:prstGeom>
+          <a:noFill/>
+        </p:spPr>
+        <p:txBody>
+          <a:bodyPr wrap="none" rtlCol="0">
+            <a:spAutoFit/>
+          </a:bodyPr>
+          <a:lstStyle/>
+          <a:p>
+            <a:r>
+              <a:rPr lang="en-US" b="1" dirty="0">
+                <a:latin typeface="Times New Roman" panose="02020603050405020304" pitchFamily="18" charset="0"/>
+                <a:cs typeface="Times New Roman" panose="02020603050405020304" pitchFamily="18" charset="0"/>
+                <a:hlinkClick r:id="rId3"/>
+              </a:rPr>
+              <a:t>scr6.R</a:t>
+            </a:r>
+            <a:endParaRPr lang="en-US" b="1" dirty="0">
+              <a:latin typeface="Times New Roman" panose="02020603050405020304" pitchFamily="18" charset="0"/>
+              <a:cs typeface="Times New Roman" panose="02020603050405020304" pitchFamily="18" charset="0"/>
+            </a:endParaRPr>
+          </a:p>
+        </p:txBody>
+      </p:sp>
     </p:spTree>
   </p:cSld>
   <p:clrMapOvr>
